--- a/0-Doc/OpenO&M Information Service Bus Model Specification Diagrams.pptx
+++ b/0-Doc/OpenO&M Information Service Bus Model Specification Diagrams.pptx
@@ -6220,7 +6220,7 @@
         </p:nvSpPr>
         <p:spPr bwMode="auto">
           <a:xfrm>
-            <a:off x="5076280" y="2895600"/>
+            <a:off x="5076280" y="3411379"/>
             <a:ext cx="1721945" cy="246221"/>
           </a:xfrm>
           <a:prstGeom prst="rect">
@@ -6259,7 +6259,7 @@
         </p:nvSpPr>
         <p:spPr bwMode="auto">
           <a:xfrm flipH="1">
-            <a:off x="4794250" y="3090863"/>
+            <a:off x="4794250" y="3606642"/>
             <a:ext cx="2286000" cy="0"/>
           </a:xfrm>
           <a:prstGeom prst="line">
@@ -6329,7 +6329,7 @@
         </p:nvSpPr>
         <p:spPr bwMode="auto">
           <a:xfrm>
-            <a:off x="2051050" y="3505200"/>
+            <a:off x="2051050" y="3352800"/>
             <a:ext cx="2286000" cy="0"/>
           </a:xfrm>
           <a:prstGeom prst="line">
@@ -6363,7 +6363,7 @@
         </p:nvSpPr>
         <p:spPr bwMode="auto">
           <a:xfrm>
-            <a:off x="2623221" y="3276600"/>
+            <a:off x="2623221" y="3124200"/>
             <a:ext cx="1141659" cy="246221"/>
           </a:xfrm>
           <a:prstGeom prst="rect">
@@ -6398,42 +6398,7 @@
       </p:sp>
       <p:sp>
         <p:nvSpPr>
-          <p:cNvPr id="11281" name="Line 44"/>
-          <p:cNvSpPr>
-            <a:spLocks noChangeShapeType="1"/>
-          </p:cNvSpPr>
-          <p:nvPr/>
-        </p:nvSpPr>
-        <p:spPr bwMode="auto">
-          <a:xfrm>
-            <a:off x="4794250" y="3733800"/>
-            <a:ext cx="2286000" cy="0"/>
-          </a:xfrm>
-          <a:prstGeom prst="line">
-            <a:avLst/>
-          </a:prstGeom>
-          <a:noFill/>
-          <a:ln w="9525">
-            <a:solidFill>
-              <a:schemeClr val="tx1"/>
-            </a:solidFill>
-            <a:prstDash val="dash"/>
-            <a:round/>
-            <a:headEnd/>
-            <a:tailEnd type="triangle" w="med" len="med"/>
-          </a:ln>
-        </p:spPr>
-        <p:txBody>
-          <a:bodyPr/>
-          <a:lstStyle/>
-          <a:p>
-            <a:endParaRPr lang="en-US"/>
-          </a:p>
-        </p:txBody>
-      </p:sp>
-      <p:sp>
-        <p:nvSpPr>
-          <p:cNvPr id="11282" name="Text Box 45"/>
+          <p:cNvPr id="11296" name="Text Box 67"/>
           <p:cNvSpPr txBox="1">
             <a:spLocks noChangeArrowheads="1"/>
           </p:cNvSpPr>
@@ -6441,8 +6406,8 @@
         </p:nvSpPr>
         <p:spPr bwMode="auto">
           <a:xfrm>
-            <a:off x="5437188" y="3505200"/>
-            <a:ext cx="1000125" cy="246063"/>
+            <a:off x="5068267" y="6019800"/>
+            <a:ext cx="1737975" cy="246221"/>
           </a:xfrm>
           <a:prstGeom prst="rect">
             <a:avLst/>
@@ -6464,7 +6429,7 @@
             <a:pPr algn="ctr"/>
             <a:r>
               <a:rPr lang="en-US" sz="1000" b="0" dirty="0" smtClean="0"/>
-              <a:t>Notify Listener</a:t>
+              <a:t>Close Subscription Session</a:t>
             </a:r>
             <a:endParaRPr lang="en-US" sz="1000" b="0" dirty="0"/>
           </a:p>
@@ -6472,7 +6437,75 @@
       </p:sp>
       <p:sp>
         <p:nvSpPr>
-          <p:cNvPr id="11296" name="Text Box 67"/>
+          <p:cNvPr id="11297" name="Line 68"/>
+          <p:cNvSpPr>
+            <a:spLocks noChangeShapeType="1"/>
+          </p:cNvSpPr>
+          <p:nvPr/>
+        </p:nvSpPr>
+        <p:spPr bwMode="auto">
+          <a:xfrm flipH="1">
+            <a:off x="4794250" y="6248400"/>
+            <a:ext cx="2286000" cy="0"/>
+          </a:xfrm>
+          <a:prstGeom prst="line">
+            <a:avLst/>
+          </a:prstGeom>
+          <a:noFill/>
+          <a:ln w="9525">
+            <a:solidFill>
+              <a:schemeClr val="tx1"/>
+            </a:solidFill>
+            <a:round/>
+            <a:headEnd/>
+            <a:tailEnd type="triangle" w="med" len="med"/>
+          </a:ln>
+        </p:spPr>
+        <p:txBody>
+          <a:bodyPr/>
+          <a:lstStyle/>
+          <a:p>
+            <a:endParaRPr lang="en-US"/>
+          </a:p>
+        </p:txBody>
+      </p:sp>
+      <p:sp>
+        <p:nvSpPr>
+          <p:cNvPr id="11300" name="Line 71"/>
+          <p:cNvSpPr>
+            <a:spLocks noChangeShapeType="1"/>
+          </p:cNvSpPr>
+          <p:nvPr/>
+        </p:nvSpPr>
+        <p:spPr bwMode="auto">
+          <a:xfrm>
+            <a:off x="2051050" y="6324600"/>
+            <a:ext cx="2286000" cy="0"/>
+          </a:xfrm>
+          <a:prstGeom prst="line">
+            <a:avLst/>
+          </a:prstGeom>
+          <a:noFill/>
+          <a:ln w="9525">
+            <a:solidFill>
+              <a:schemeClr val="tx1"/>
+            </a:solidFill>
+            <a:round/>
+            <a:headEnd/>
+            <a:tailEnd type="triangle" w="med" len="med"/>
+          </a:ln>
+        </p:spPr>
+        <p:txBody>
+          <a:bodyPr/>
+          <a:lstStyle/>
+          <a:p>
+            <a:endParaRPr lang="en-US"/>
+          </a:p>
+        </p:txBody>
+      </p:sp>
+      <p:sp>
+        <p:nvSpPr>
+          <p:cNvPr id="11301" name="Text Box 72"/>
           <p:cNvSpPr txBox="1">
             <a:spLocks noChangeArrowheads="1"/>
           </p:cNvSpPr>
@@ -6480,8 +6513,8 @@
         </p:nvSpPr>
         <p:spPr bwMode="auto">
           <a:xfrm>
-            <a:off x="5068267" y="6019800"/>
-            <a:ext cx="1737975" cy="246221"/>
+            <a:off x="2623221" y="6096000"/>
+            <a:ext cx="1141659" cy="246221"/>
           </a:xfrm>
           <a:prstGeom prst="rect">
             <a:avLst/>
@@ -6502,8 +6535,12 @@
           <a:p>
             <a:pPr algn="ctr"/>
             <a:r>
+              <a:rPr lang="en-US" sz="1000" b="0" dirty="0"/>
+              <a:t>Post </a:t>
+            </a:r>
+            <a:r>
               <a:rPr lang="en-US" sz="1000" b="0" dirty="0" smtClean="0"/>
-              <a:t>Close Subscription Session</a:t>
+              <a:t>Publication</a:t>
             </a:r>
             <a:endParaRPr lang="en-US" sz="1000" b="0" dirty="0"/>
           </a:p>
@@ -6511,15 +6548,15 @@
       </p:sp>
       <p:sp>
         <p:nvSpPr>
-          <p:cNvPr id="11297" name="Line 68"/>
+          <p:cNvPr id="11302" name="Line 78"/>
           <p:cNvSpPr>
             <a:spLocks noChangeShapeType="1"/>
           </p:cNvSpPr>
           <p:nvPr/>
         </p:nvSpPr>
         <p:spPr bwMode="auto">
-          <a:xfrm flipH="1">
-            <a:off x="4794250" y="6248400"/>
+          <a:xfrm>
+            <a:off x="2051050" y="2743200"/>
             <a:ext cx="2286000" cy="0"/>
           </a:xfrm>
           <a:prstGeom prst="line">
@@ -6545,41 +6582,7 @@
       </p:sp>
       <p:sp>
         <p:nvSpPr>
-          <p:cNvPr id="11300" name="Line 71"/>
-          <p:cNvSpPr>
-            <a:spLocks noChangeShapeType="1"/>
-          </p:cNvSpPr>
-          <p:nvPr/>
-        </p:nvSpPr>
-        <p:spPr bwMode="auto">
-          <a:xfrm>
-            <a:off x="2051050" y="6324600"/>
-            <a:ext cx="2286000" cy="0"/>
-          </a:xfrm>
-          <a:prstGeom prst="line">
-            <a:avLst/>
-          </a:prstGeom>
-          <a:noFill/>
-          <a:ln w="9525">
-            <a:solidFill>
-              <a:schemeClr val="tx1"/>
-            </a:solidFill>
-            <a:round/>
-            <a:headEnd/>
-            <a:tailEnd type="triangle" w="med" len="med"/>
-          </a:ln>
-        </p:spPr>
-        <p:txBody>
-          <a:bodyPr/>
-          <a:lstStyle/>
-          <a:p>
-            <a:endParaRPr lang="en-US"/>
-          </a:p>
-        </p:txBody>
-      </p:sp>
-      <p:sp>
-        <p:nvSpPr>
-          <p:cNvPr id="11301" name="Text Box 72"/>
+          <p:cNvPr id="11303" name="Text Box 79"/>
           <p:cNvSpPr txBox="1">
             <a:spLocks noChangeArrowheads="1"/>
           </p:cNvSpPr>
@@ -6587,8 +6590,8 @@
         </p:nvSpPr>
         <p:spPr bwMode="auto">
           <a:xfrm>
-            <a:off x="2623221" y="6096000"/>
-            <a:ext cx="1141659" cy="246221"/>
+            <a:off x="2372351" y="2514600"/>
+            <a:ext cx="1643400" cy="246221"/>
           </a:xfrm>
           <a:prstGeom prst="rect">
             <a:avLst/>
@@ -6610,83 +6613,6 @@
             <a:pPr algn="ctr"/>
             <a:r>
               <a:rPr lang="en-US" sz="1000" b="0" dirty="0"/>
-              <a:t>Post </a:t>
-            </a:r>
-            <a:r>
-              <a:rPr lang="en-US" sz="1000" b="0" dirty="0" smtClean="0"/>
-              <a:t>Publication</a:t>
-            </a:r>
-            <a:endParaRPr lang="en-US" sz="1000" b="0" dirty="0"/>
-          </a:p>
-        </p:txBody>
-      </p:sp>
-      <p:sp>
-        <p:nvSpPr>
-          <p:cNvPr id="11302" name="Line 78"/>
-          <p:cNvSpPr>
-            <a:spLocks noChangeShapeType="1"/>
-          </p:cNvSpPr>
-          <p:nvPr/>
-        </p:nvSpPr>
-        <p:spPr bwMode="auto">
-          <a:xfrm>
-            <a:off x="2051050" y="2743200"/>
-            <a:ext cx="2286000" cy="0"/>
-          </a:xfrm>
-          <a:prstGeom prst="line">
-            <a:avLst/>
-          </a:prstGeom>
-          <a:noFill/>
-          <a:ln w="9525">
-            <a:solidFill>
-              <a:schemeClr val="tx1"/>
-            </a:solidFill>
-            <a:round/>
-            <a:headEnd/>
-            <a:tailEnd type="triangle" w="med" len="med"/>
-          </a:ln>
-        </p:spPr>
-        <p:txBody>
-          <a:bodyPr/>
-          <a:lstStyle/>
-          <a:p>
-            <a:endParaRPr lang="en-US"/>
-          </a:p>
-        </p:txBody>
-      </p:sp>
-      <p:sp>
-        <p:nvSpPr>
-          <p:cNvPr id="11303" name="Text Box 79"/>
-          <p:cNvSpPr txBox="1">
-            <a:spLocks noChangeArrowheads="1"/>
-          </p:cNvSpPr>
-          <p:nvPr/>
-        </p:nvSpPr>
-        <p:spPr bwMode="auto">
-          <a:xfrm>
-            <a:off x="2372351" y="2514600"/>
-            <a:ext cx="1643400" cy="246221"/>
-          </a:xfrm>
-          <a:prstGeom prst="rect">
-            <a:avLst/>
-          </a:prstGeom>
-          <a:noFill/>
-          <a:ln w="9525">
-            <a:noFill/>
-            <a:miter lim="800000"/>
-            <a:headEnd/>
-            <a:tailEnd/>
-          </a:ln>
-        </p:spPr>
-        <p:txBody>
-          <a:bodyPr wrap="none">
-            <a:spAutoFit/>
-          </a:bodyPr>
-          <a:lstStyle/>
-          <a:p>
-            <a:pPr algn="ctr"/>
-            <a:r>
-              <a:rPr lang="en-US" sz="1000" b="0" dirty="0"/>
               <a:t>Open Publication </a:t>
             </a:r>
             <a:r>
@@ -6694,41 +6620,6 @@
               <a:t>Session</a:t>
             </a:r>
             <a:endParaRPr lang="en-US" sz="1000" b="0" dirty="0"/>
-          </a:p>
-        </p:txBody>
-      </p:sp>
-      <p:sp>
-        <p:nvSpPr>
-          <p:cNvPr id="11308" name="Line 100"/>
-          <p:cNvSpPr>
-            <a:spLocks noChangeShapeType="1"/>
-          </p:cNvSpPr>
-          <p:nvPr/>
-        </p:nvSpPr>
-        <p:spPr bwMode="auto">
-          <a:xfrm>
-            <a:off x="4337050" y="3505200"/>
-            <a:ext cx="457200" cy="228600"/>
-          </a:xfrm>
-          <a:prstGeom prst="line">
-            <a:avLst/>
-          </a:prstGeom>
-          <a:noFill/>
-          <a:ln w="9525">
-            <a:solidFill>
-              <a:schemeClr val="bg2"/>
-            </a:solidFill>
-            <a:prstDash val="dashDot"/>
-            <a:round/>
-            <a:headEnd/>
-            <a:tailEnd type="triangle" w="med" len="med"/>
-          </a:ln>
-        </p:spPr>
-        <p:txBody>
-          <a:bodyPr/>
-          <a:lstStyle/>
-          <a:p>
-            <a:endParaRPr lang="en-US"/>
           </a:p>
         </p:txBody>
       </p:sp>
@@ -8132,7 +8023,6 @@
               <a:rPr lang="en-US" sz="1000" b="0" dirty="0"/>
               <a:t>Session</a:t>
             </a:r>
-            <a:endParaRPr lang="en-US" sz="1000" b="0" dirty="0"/>
           </a:p>
         </p:txBody>
       </p:sp>
@@ -11326,7 +11216,6 @@
               <a:rPr lang="en-US" b="0" dirty="0" smtClean="0"/>
               <a:t>Open Read Request Session</a:t>
             </a:r>
-            <a:endParaRPr lang="en-US" b="0" dirty="0" smtClean="0"/>
           </a:p>
           <a:p>
             <a:pPr>
@@ -11336,13 +11225,8 @@
             </a:pPr>
             <a:r>
               <a:rPr lang="en-US" b="0" dirty="0" smtClean="0"/>
-              <a:t>Notify </a:t>
-            </a:r>
-            <a:r>
-              <a:rPr lang="en-US" b="0" dirty="0" smtClean="0"/>
-              <a:t>Listener</a:t>
-            </a:r>
-            <a:endParaRPr lang="en-US" b="0" dirty="0" smtClean="0"/>
+              <a:t>Notify Listener</a:t>
+            </a:r>
           </a:p>
           <a:p>
             <a:pPr>
@@ -11388,7 +11272,6 @@
               <a:rPr lang="en-US" b="0" dirty="0" smtClean="0"/>
               <a:t>Open Post Response Session</a:t>
             </a:r>
-            <a:endParaRPr lang="en-US" b="0" dirty="0" smtClean="0"/>
           </a:p>
           <a:p>
             <a:pPr>
@@ -11563,13 +11446,8 @@
             </a:pPr>
             <a:r>
               <a:rPr lang="en-US" b="0" dirty="0" smtClean="0"/>
-              <a:t>Open </a:t>
-            </a:r>
-            <a:r>
-              <a:rPr lang="en-US" b="0" dirty="0" smtClean="0"/>
-              <a:t>Post Request Session</a:t>
-            </a:r>
-            <a:endParaRPr lang="en-US" b="0" dirty="0" smtClean="0"/>
+              <a:t>Open Post Request Session</a:t>
+            </a:r>
           </a:p>
           <a:p>
             <a:pPr algn="r">
@@ -11620,7 +11498,6 @@
               <a:rPr lang="en-US" b="0" dirty="0" smtClean="0"/>
               <a:t>Notify Listener</a:t>
             </a:r>
-            <a:endParaRPr lang="en-US" b="0" dirty="0" smtClean="0"/>
           </a:p>
           <a:p>
             <a:pPr algn="r">
@@ -12092,11 +11969,7 @@
             <a:pPr algn="ctr"/>
             <a:r>
               <a:rPr lang="en-US" sz="1000" b="0" dirty="0" smtClean="0"/>
-              <a:t>Open </a:t>
-            </a:r>
-            <a:r>
-              <a:rPr lang="en-US" sz="1000" b="0" dirty="0" smtClean="0"/>
-              <a:t>Post Request Session</a:t>
+              <a:t>Open Post Request Session</a:t>
             </a:r>
             <a:endParaRPr lang="en-US" sz="1000" b="0" dirty="0"/>
           </a:p>
@@ -12205,11 +12078,7 @@
             <a:pPr algn="ctr"/>
             <a:r>
               <a:rPr lang="en-US" sz="1000" b="0" dirty="0" smtClean="0"/>
-              <a:t>Close </a:t>
-            </a:r>
-            <a:r>
-              <a:rPr lang="en-US" sz="1000" b="0" dirty="0" smtClean="0"/>
-              <a:t>Post Request Session</a:t>
+              <a:t>Close Post Request Session</a:t>
             </a:r>
             <a:endParaRPr lang="en-US" sz="1000" b="0" dirty="0"/>
           </a:p>
@@ -13048,15 +12917,7 @@
             <a:pPr algn="ctr"/>
             <a:r>
               <a:rPr lang="en-US" sz="1000" b="0" dirty="0" smtClean="0"/>
-              <a:t>Ope</a:t>
-            </a:r>
-            <a:r>
-              <a:rPr lang="en-US" sz="1000" b="0" dirty="0" smtClean="0"/>
-              <a:t>n Read </a:t>
-            </a:r>
-            <a:r>
-              <a:rPr lang="en-US" sz="1000" b="0" dirty="0" smtClean="0"/>
-              <a:t>Response Session</a:t>
+              <a:t>Open Read Response Session</a:t>
             </a:r>
             <a:endParaRPr lang="en-US" sz="1000" b="0" dirty="0"/>
           </a:p>
@@ -13687,11 +13548,7 @@
             <a:pPr algn="ctr"/>
             <a:r>
               <a:rPr lang="en-US" sz="1000" b="0" dirty="0" smtClean="0"/>
-              <a:t>Open </a:t>
-            </a:r>
-            <a:r>
-              <a:rPr lang="en-US" sz="1000" b="0" dirty="0" smtClean="0"/>
-              <a:t>Post Request Session</a:t>
+              <a:t>Open Post Request Session</a:t>
             </a:r>
             <a:endParaRPr lang="en-US" sz="1000" b="0" dirty="0"/>
           </a:p>
@@ -13800,11 +13657,7 @@
             <a:pPr algn="ctr"/>
             <a:r>
               <a:rPr lang="en-US" sz="1000" b="0" dirty="0" smtClean="0"/>
-              <a:t>Close </a:t>
-            </a:r>
-            <a:r>
-              <a:rPr lang="en-US" sz="1000" b="0" dirty="0" smtClean="0"/>
-              <a:t>Post Request Session</a:t>
+              <a:t>Close Post Request Session</a:t>
             </a:r>
             <a:endParaRPr lang="en-US" sz="1000" b="0" dirty="0"/>
           </a:p>
@@ -15752,11 +15605,7 @@
             <a:pPr algn="ctr"/>
             <a:r>
               <a:rPr lang="en-US" sz="1000" b="0" dirty="0" smtClean="0"/>
-              <a:t>Open </a:t>
-            </a:r>
-            <a:r>
-              <a:rPr lang="en-US" sz="1000" b="0" dirty="0" smtClean="0"/>
-              <a:t>Post Request Session</a:t>
+              <a:t>Open Post Request Session</a:t>
             </a:r>
             <a:endParaRPr lang="en-US" sz="1000" b="0" dirty="0"/>
           </a:p>
@@ -15967,11 +15816,7 @@
             <a:pPr algn="ctr"/>
             <a:r>
               <a:rPr lang="en-US" sz="1000" b="0" dirty="0" smtClean="0"/>
-              <a:t>Read </a:t>
-            </a:r>
-            <a:r>
-              <a:rPr lang="en-US" sz="1000" b="0" dirty="0" smtClean="0"/>
-              <a:t>Response</a:t>
+              <a:t>Read Response</a:t>
             </a:r>
             <a:endParaRPr lang="en-US" sz="1000" b="0" dirty="0"/>
           </a:p>
@@ -16561,11 +16406,7 @@
             <a:pPr algn="ctr"/>
             <a:r>
               <a:rPr lang="en-US" sz="1000" b="0" dirty="0" smtClean="0"/>
-              <a:t>Read </a:t>
-            </a:r>
-            <a:r>
-              <a:rPr lang="en-US" sz="1000" b="0" dirty="0" smtClean="0"/>
-              <a:t>Response</a:t>
+              <a:t>Read Response</a:t>
             </a:r>
             <a:endParaRPr lang="en-US" sz="1000" b="0" dirty="0"/>
           </a:p>
@@ -16638,11 +16479,7 @@
             <a:pPr algn="ctr"/>
             <a:r>
               <a:rPr lang="en-US" sz="1000" b="0" dirty="0" smtClean="0"/>
-              <a:t>Read </a:t>
-            </a:r>
-            <a:r>
-              <a:rPr lang="en-US" sz="1000" b="0" dirty="0" smtClean="0"/>
-              <a:t>Response</a:t>
+              <a:t>Read Response</a:t>
             </a:r>
             <a:endParaRPr lang="en-US" sz="1000" b="0" dirty="0"/>
           </a:p>
@@ -16759,11 +16596,7 @@
             <a:pPr algn="ctr"/>
             <a:r>
               <a:rPr lang="en-US" sz="1000" b="0" dirty="0" smtClean="0"/>
-              <a:t>Close </a:t>
-            </a:r>
-            <a:r>
-              <a:rPr lang="en-US" sz="1000" b="0" dirty="0" smtClean="0"/>
-              <a:t>Post Request Session</a:t>
+              <a:t>Close Post Request Session</a:t>
             </a:r>
             <a:endParaRPr lang="en-US" sz="1000" b="0" dirty="0"/>
           </a:p>
@@ -17807,11 +17640,7 @@
             <a:pPr algn="ctr"/>
             <a:r>
               <a:rPr lang="en-US" sz="1000" b="0" dirty="0" smtClean="0"/>
-              <a:t>Open </a:t>
-            </a:r>
-            <a:r>
-              <a:rPr lang="en-US" sz="1000" b="0" dirty="0" smtClean="0"/>
-              <a:t>Subscription Session</a:t>
+              <a:t>Open Subscription Session</a:t>
             </a:r>
             <a:endParaRPr lang="en-US" sz="1000" b="0" dirty="0"/>
           </a:p>
@@ -26513,7 +26342,7 @@
         <p:spPr bwMode="auto">
           <a:xfrm>
             <a:off x="4724400" y="2057400"/>
-            <a:ext cx="3919538" cy="523875"/>
+            <a:ext cx="3610027" cy="523220"/>
           </a:xfrm>
           <a:prstGeom prst="rect">
             <a:avLst/>
@@ -26533,13 +26362,17 @@
           <a:lstStyle/>
           <a:p>
             <a:r>
-              <a:rPr lang="en-US" sz="1400" b="0"/>
-              <a:t>CIR, ISA 95.02, B2MML, MIMOSA, ISO 15926,</a:t>
-            </a:r>
-          </a:p>
-          <a:p>
-            <a:r>
-              <a:rPr lang="en-US" sz="1400" b="0"/>
+              <a:rPr lang="en-US" sz="1400" b="0" dirty="0" smtClean="0"/>
+              <a:t>ISA </a:t>
+            </a:r>
+            <a:r>
+              <a:rPr lang="en-US" sz="1400" b="0" dirty="0"/>
+              <a:t>95.02, B2MML, MIMOSA, ISO 15926,</a:t>
+            </a:r>
+          </a:p>
+          <a:p>
+            <a:r>
+              <a:rPr lang="en-US" sz="1400" b="0" dirty="0"/>
               <a:t>OPC UA Objects, OAGIS, OMAC…</a:t>
             </a:r>
           </a:p>
@@ -35951,7 +35784,7 @@
         <p:spPr bwMode="auto">
           <a:xfrm>
             <a:off x="942881" y="4038600"/>
-            <a:ext cx="3095719" cy="1754326"/>
+            <a:ext cx="2617127" cy="1754326"/>
           </a:xfrm>
           <a:prstGeom prst="rect">
             <a:avLst/>
@@ -35988,9 +35821,12 @@
             </a:pPr>
             <a:r>
               <a:rPr lang="en-US" b="0" dirty="0" smtClean="0"/>
-              <a:t>Create Channel Namespace</a:t>
-            </a:r>
-            <a:endParaRPr lang="en-US" b="0" dirty="0"/>
+              <a:t>Create </a:t>
+            </a:r>
+            <a:r>
+              <a:rPr lang="en-US" b="0" dirty="0" smtClean="0"/>
+              <a:t>Topic</a:t>
+            </a:r>
           </a:p>
           <a:p>
             <a:pPr>
@@ -36000,11 +35836,7 @@
             </a:pPr>
             <a:r>
               <a:rPr lang="en-US" b="0" dirty="0" smtClean="0"/>
-              <a:t>Create </a:t>
-            </a:r>
-            <a:r>
-              <a:rPr lang="en-US" b="0" dirty="0"/>
-              <a:t>Topic</a:t>
+              <a:t>Add Security Token</a:t>
             </a:r>
           </a:p>
           <a:p>
@@ -36014,9 +35846,10 @@
               </a:tabLst>
             </a:pPr>
             <a:r>
-              <a:rPr lang="en-US" b="0" dirty="0"/>
-              <a:t>Delete Channel </a:t>
-            </a:r>
+              <a:rPr lang="en-US" b="0" dirty="0" smtClean="0"/>
+              <a:t>Remove Security Token</a:t>
+            </a:r>
+            <a:endParaRPr lang="en-US" b="0" dirty="0"/>
           </a:p>
           <a:p>
             <a:pPr>
@@ -36025,12 +35858,8 @@
               </a:tabLst>
             </a:pPr>
             <a:r>
-              <a:rPr lang="en-US" b="0" dirty="0" smtClean="0"/>
-              <a:t>Delete </a:t>
-            </a:r>
-            <a:r>
               <a:rPr lang="en-US" b="0" dirty="0"/>
-              <a:t>Channel Namespace</a:t>
+              <a:t>Delete Channel </a:t>
             </a:r>
           </a:p>
           <a:p>
@@ -36040,12 +35869,8 @@
               </a:tabLst>
             </a:pPr>
             <a:r>
-              <a:rPr lang="en-US" b="0" dirty="0"/>
-              <a:t>Delete </a:t>
-            </a:r>
-            <a:r>
               <a:rPr lang="en-US" b="0" dirty="0" smtClean="0"/>
-              <a:t>Topic</a:t>
+              <a:t>Delete Topic</a:t>
             </a:r>
             <a:endParaRPr lang="en-US" b="0" dirty="0"/>
           </a:p>
@@ -36128,43 +35953,6 @@
       </p:cxnSp>
       <p:sp>
         <p:nvSpPr>
-          <p:cNvPr id="9231" name="TextBox 14"/>
-          <p:cNvSpPr txBox="1">
-            <a:spLocks noChangeArrowheads="1"/>
-          </p:cNvSpPr>
-          <p:nvPr/>
-        </p:nvSpPr>
-        <p:spPr bwMode="auto">
-          <a:xfrm>
-            <a:off x="2590800" y="3200400"/>
-            <a:ext cx="1295400" cy="261610"/>
-          </a:xfrm>
-          <a:prstGeom prst="rect">
-            <a:avLst/>
-          </a:prstGeom>
-          <a:noFill/>
-          <a:ln w="9525">
-            <a:noFill/>
-            <a:miter lim="800000"/>
-            <a:headEnd/>
-            <a:tailEnd/>
-          </a:ln>
-        </p:spPr>
-        <p:txBody>
-          <a:bodyPr>
-            <a:spAutoFit/>
-          </a:bodyPr>
-          <a:lstStyle/>
-          <a:p>
-            <a:r>
-              <a:rPr lang="en-US" sz="1100" b="0" dirty="0"/>
-              <a:t>Channel sessions </a:t>
-            </a:r>
-          </a:p>
-        </p:txBody>
-      </p:sp>
-      <p:sp>
-        <p:nvSpPr>
           <p:cNvPr id="9232" name="Text Box 12"/>
           <p:cNvSpPr txBox="1">
             <a:spLocks noChangeArrowheads="1"/>
@@ -36233,7 +36021,6 @@
               <a:rPr lang="en-US" b="0" dirty="0" smtClean="0"/>
               <a:t>Session</a:t>
             </a:r>
-            <a:endParaRPr lang="en-US" b="0" dirty="0" smtClean="0"/>
           </a:p>
           <a:p>
             <a:pPr algn="r">
@@ -36261,7 +36048,6 @@
               <a:rPr lang="en-US" b="0" dirty="0" smtClean="0"/>
               <a:t>Topic</a:t>
             </a:r>
-            <a:endParaRPr lang="en-US" b="0" dirty="0" smtClean="0"/>
           </a:p>
           <a:p>
             <a:pPr algn="r">
@@ -36274,43 +36060,6 @@
               <a:t>Get Topics</a:t>
             </a:r>
             <a:endParaRPr lang="en-US" b="0" dirty="0"/>
-          </a:p>
-        </p:txBody>
-      </p:sp>
-      <p:sp>
-        <p:nvSpPr>
-          <p:cNvPr id="9233" name="TextBox 16"/>
-          <p:cNvSpPr txBox="1">
-            <a:spLocks noChangeArrowheads="1"/>
-          </p:cNvSpPr>
-          <p:nvPr/>
-        </p:nvSpPr>
-        <p:spPr bwMode="auto">
-          <a:xfrm>
-            <a:off x="5105400" y="3429000"/>
-            <a:ext cx="1295400" cy="261610"/>
-          </a:xfrm>
-          <a:prstGeom prst="rect">
-            <a:avLst/>
-          </a:prstGeom>
-          <a:noFill/>
-          <a:ln w="9525">
-            <a:noFill/>
-            <a:miter lim="800000"/>
-            <a:headEnd/>
-            <a:tailEnd/>
-          </a:ln>
-        </p:spPr>
-        <p:txBody>
-          <a:bodyPr>
-            <a:spAutoFit/>
-          </a:bodyPr>
-          <a:lstStyle/>
-          <a:p>
-            <a:r>
-              <a:rPr lang="en-US" sz="1100" b="0"/>
-              <a:t>Channel sessions </a:t>
-            </a:r>
           </a:p>
         </p:txBody>
       </p:sp>
@@ -36737,7 +36486,7 @@
         <p:spPr bwMode="auto">
           <a:xfrm>
             <a:off x="914400" y="4038600"/>
-            <a:ext cx="2890535" cy="923330"/>
+            <a:ext cx="2852063" cy="1200329"/>
           </a:xfrm>
           <a:prstGeom prst="rect">
             <a:avLst/>
@@ -36779,8 +36528,24 @@
             </a:pPr>
             <a:r>
               <a:rPr lang="en-US" b="0" dirty="0"/>
-              <a:t>Post Publication</a:t>
-            </a:r>
+              <a:t>Post </a:t>
+            </a:r>
+            <a:r>
+              <a:rPr lang="en-US" b="0" dirty="0" smtClean="0"/>
+              <a:t>Publication</a:t>
+            </a:r>
+          </a:p>
+          <a:p>
+            <a:pPr>
+              <a:tabLst>
+                <a:tab pos="228600" algn="l"/>
+              </a:tabLst>
+            </a:pPr>
+            <a:r>
+              <a:rPr lang="en-US" b="0" dirty="0" smtClean="0"/>
+              <a:t>Expire Publication</a:t>
+            </a:r>
+            <a:endParaRPr lang="en-US" b="0" dirty="0"/>
           </a:p>
           <a:p>
             <a:pPr>

--- a/0-Doc/OpenO&M Information Service Bus Model Specification Diagrams.pptx
+++ b/0-Doc/OpenO&M Information Service Bus Model Specification Diagrams.pptx
@@ -5677,11 +5677,7 @@
             </a:pPr>
             <a:r>
               <a:rPr lang="en-US" b="0" dirty="0" smtClean="0"/>
-              <a:t>Open </a:t>
-            </a:r>
-            <a:r>
-              <a:rPr lang="en-US" b="0" dirty="0" smtClean="0"/>
-              <a:t>Read Request Session</a:t>
+              <a:t>Open Read Request Session</a:t>
             </a:r>
           </a:p>
           <a:p>
@@ -5692,11 +5688,7 @@
             </a:pPr>
             <a:r>
               <a:rPr lang="en-US" b="0" dirty="0" smtClean="0"/>
-              <a:t>Read </a:t>
-            </a:r>
-            <a:r>
-              <a:rPr lang="en-US" b="0" dirty="0" smtClean="0"/>
-              <a:t>Request</a:t>
+              <a:t>Read Request</a:t>
             </a:r>
           </a:p>
           <a:p>
@@ -5906,11 +5898,7 @@
             </a:pPr>
             <a:r>
               <a:rPr lang="en-US" b="0" dirty="0" smtClean="0"/>
-              <a:t>Open </a:t>
-            </a:r>
-            <a:r>
-              <a:rPr lang="en-US" b="0" dirty="0" smtClean="0"/>
-              <a:t>Post Request Session</a:t>
+              <a:t>Open Post Request Session</a:t>
             </a:r>
           </a:p>
           <a:p>
@@ -5960,11 +5948,7 @@
             </a:pPr>
             <a:r>
               <a:rPr lang="en-US" b="0" dirty="0" smtClean="0"/>
-              <a:t>Read </a:t>
-            </a:r>
-            <a:r>
-              <a:rPr lang="en-US" b="0" dirty="0" smtClean="0"/>
-              <a:t>Response</a:t>
+              <a:t>Read Response</a:t>
             </a:r>
           </a:p>
           <a:p>
@@ -23403,7 +23387,7 @@
         <p:spPr bwMode="auto">
           <a:xfrm>
             <a:off x="942881" y="4038600"/>
-            <a:ext cx="2732543" cy="1754326"/>
+            <a:ext cx="2732543" cy="1200329"/>
           </a:xfrm>
           <a:prstGeom prst="rect">
             <a:avLst/>
@@ -23440,7 +23424,11 @@
             </a:pPr>
             <a:r>
               <a:rPr lang="en-US" b="0" dirty="0" smtClean="0"/>
-              <a:t>Create Topic</a:t>
+              <a:t>Add </a:t>
+            </a:r>
+            <a:r>
+              <a:rPr lang="en-US" b="0" dirty="0" smtClean="0"/>
+              <a:t>Security Tokens</a:t>
             </a:r>
           </a:p>
           <a:p>
@@ -23451,13 +23439,9 @@
             </a:pPr>
             <a:r>
               <a:rPr lang="en-US" b="0" dirty="0" smtClean="0"/>
-              <a:t>Add Security </a:t>
-            </a:r>
-            <a:r>
-              <a:rPr lang="en-US" b="0" dirty="0" smtClean="0"/>
-              <a:t>Tokens</a:t>
-            </a:r>
-            <a:endParaRPr lang="en-US" b="0" dirty="0" smtClean="0"/>
+              <a:t>Remove Security Tokens</a:t>
+            </a:r>
+            <a:endParaRPr lang="en-US" b="0" dirty="0"/>
           </a:p>
           <a:p>
             <a:pPr>
@@ -23466,37 +23450,9 @@
               </a:tabLst>
             </a:pPr>
             <a:r>
-              <a:rPr lang="en-US" b="0" dirty="0" smtClean="0"/>
-              <a:t>Remove Security </a:t>
-            </a:r>
-            <a:r>
-              <a:rPr lang="en-US" b="0" dirty="0" smtClean="0"/>
-              <a:t>Tokens</a:t>
-            </a:r>
-            <a:endParaRPr lang="en-US" b="0" dirty="0"/>
-          </a:p>
-          <a:p>
-            <a:pPr>
-              <a:tabLst>
-                <a:tab pos="228600" algn="l"/>
-              </a:tabLst>
-            </a:pPr>
-            <a:r>
               <a:rPr lang="en-US" b="0" dirty="0"/>
               <a:t>Delete Channel </a:t>
             </a:r>
-          </a:p>
-          <a:p>
-            <a:pPr>
-              <a:tabLst>
-                <a:tab pos="228600" algn="l"/>
-              </a:tabLst>
-            </a:pPr>
-            <a:r>
-              <a:rPr lang="en-US" b="0" dirty="0" smtClean="0"/>
-              <a:t>Delete Topic</a:t>
-            </a:r>
-            <a:endParaRPr lang="en-US" b="0" dirty="0"/>
           </a:p>
         </p:txBody>
       </p:sp>
@@ -23586,7 +23542,7 @@
         <p:spPr bwMode="auto">
           <a:xfrm>
             <a:off x="6405691" y="4038600"/>
-            <a:ext cx="1595309" cy="923330"/>
+            <a:ext cx="1595309" cy="646331"/>
           </a:xfrm>
           <a:prstGeom prst="rect">
             <a:avLst/>
@@ -23628,24 +23584,13 @@
             </a:pPr>
             <a:r>
               <a:rPr lang="en-US" b="0" dirty="0" smtClean="0"/>
-              <a:t>Get Channels</a:t>
-            </a:r>
-          </a:p>
-          <a:p>
-            <a:pPr algn="r">
-              <a:tabLst>
-                <a:tab pos="228600" algn="l"/>
-              </a:tabLst>
-            </a:pPr>
+              <a:t>Get </a:t>
+            </a:r>
             <a:r>
               <a:rPr lang="en-US" b="0" dirty="0" smtClean="0"/>
-              <a:t>Get </a:t>
-            </a:r>
-            <a:r>
-              <a:rPr lang="en-US" b="0" dirty="0" smtClean="0"/>
-              <a:t>Topics</a:t>
-            </a:r>
-            <a:endParaRPr lang="en-US" b="0" dirty="0"/>
+              <a:t>Channels</a:t>
+            </a:r>
+            <a:endParaRPr lang="en-US" b="0" dirty="0" smtClean="0"/>
           </a:p>
         </p:txBody>
       </p:sp>
@@ -24300,11 +24245,7 @@
             </a:pPr>
             <a:r>
               <a:rPr lang="en-US" b="0" dirty="0" smtClean="0"/>
-              <a:t>Open </a:t>
-            </a:r>
-            <a:r>
-              <a:rPr lang="en-US" b="0" dirty="0" smtClean="0"/>
-              <a:t>Subscription Session</a:t>
+              <a:t>Open Subscription Session</a:t>
             </a:r>
             <a:endParaRPr lang="en-US" b="0" dirty="0"/>
           </a:p>
@@ -24316,11 +24257,7 @@
             </a:pPr>
             <a:r>
               <a:rPr lang="en-US" b="0" dirty="0" smtClean="0"/>
-              <a:t>Read </a:t>
-            </a:r>
-            <a:r>
-              <a:rPr lang="en-US" b="0" dirty="0" smtClean="0"/>
-              <a:t>Publication</a:t>
+              <a:t>Read Publication</a:t>
             </a:r>
             <a:endParaRPr lang="en-US" b="0" dirty="0"/>
           </a:p>
@@ -24332,11 +24269,7 @@
             </a:pPr>
             <a:r>
               <a:rPr lang="en-US" b="0" dirty="0" smtClean="0"/>
-              <a:t>Close </a:t>
-            </a:r>
-            <a:r>
-              <a:rPr lang="en-US" b="0" dirty="0" smtClean="0"/>
-              <a:t>Subscription Session</a:t>
+              <a:t>Close Subscription Session</a:t>
             </a:r>
             <a:endParaRPr lang="en-US" b="0" dirty="0"/>
           </a:p>

--- a/0-Doc/OpenO&M Information Service Bus Model Specification Diagrams.pptx
+++ b/0-Doc/OpenO&M Information Service Bus Model Specification Diagrams.pptx
@@ -5651,7 +5651,7 @@
         <p:spPr bwMode="auto">
           <a:xfrm>
             <a:off x="914400" y="4038600"/>
-            <a:ext cx="3288080" cy="2031325"/>
+            <a:ext cx="3506088" cy="1477328"/>
           </a:xfrm>
           <a:prstGeom prst="rect">
             <a:avLst/>
@@ -5677,7 +5677,15 @@
             </a:pPr>
             <a:r>
               <a:rPr lang="en-US" b="0" dirty="0" smtClean="0"/>
-              <a:t>Open Read Request Session</a:t>
+              <a:t>Open </a:t>
+            </a:r>
+            <a:r>
+              <a:rPr lang="en-US" b="0" dirty="0" smtClean="0"/>
+              <a:t>Provider Request </a:t>
+            </a:r>
+            <a:r>
+              <a:rPr lang="en-US" b="0" dirty="0" smtClean="0"/>
+              <a:t>Session</a:t>
             </a:r>
           </a:p>
           <a:p>
@@ -5710,9 +5718,12 @@
             </a:pPr>
             <a:r>
               <a:rPr lang="en-US" b="0" dirty="0" smtClean="0"/>
-              <a:t>Close Read Request Session</a:t>
-            </a:r>
-            <a:endParaRPr lang="en-US" b="0" dirty="0"/>
+              <a:t>Post </a:t>
+            </a:r>
+            <a:r>
+              <a:rPr lang="en-US" b="0" dirty="0" smtClean="0"/>
+              <a:t>Response</a:t>
+            </a:r>
           </a:p>
           <a:p>
             <a:pPr>
@@ -5722,30 +5733,13 @@
             </a:pPr>
             <a:r>
               <a:rPr lang="en-US" b="0" dirty="0" smtClean="0"/>
-              <a:t>Open Post Response Session</a:t>
-            </a:r>
-          </a:p>
-          <a:p>
-            <a:pPr>
-              <a:tabLst>
-                <a:tab pos="228600" algn="l"/>
-              </a:tabLst>
-            </a:pPr>
-            <a:r>
-              <a:rPr lang="en-US" b="0" dirty="0" smtClean="0"/>
-              <a:t>Post Response</a:t>
-            </a:r>
-          </a:p>
-          <a:p>
-            <a:pPr>
-              <a:tabLst>
-                <a:tab pos="228600" algn="l"/>
-              </a:tabLst>
-            </a:pPr>
-            <a:r>
-              <a:rPr lang="en-US" b="0" dirty="0" smtClean="0"/>
-              <a:t>Close Post Response Session</a:t>
-            </a:r>
+              <a:t>Close </a:t>
+            </a:r>
+            <a:r>
+              <a:rPr lang="en-US" b="0" dirty="0"/>
+              <a:t>Provider Request Session</a:t>
+            </a:r>
+            <a:endParaRPr lang="en-US" b="0" dirty="0" smtClean="0"/>
           </a:p>
         </p:txBody>
       </p:sp>
@@ -5871,8 +5865,8 @@
         </p:nvSpPr>
         <p:spPr bwMode="auto">
           <a:xfrm>
-            <a:off x="4623152" y="4038600"/>
-            <a:ext cx="3377848" cy="2031325"/>
+            <a:off x="4315376" y="4038600"/>
+            <a:ext cx="3685624" cy="1477328"/>
           </a:xfrm>
           <a:prstGeom prst="rect">
             <a:avLst/>
@@ -5898,7 +5892,15 @@
             </a:pPr>
             <a:r>
               <a:rPr lang="en-US" b="0" dirty="0" smtClean="0"/>
-              <a:t>Open Post Request Session</a:t>
+              <a:t>Open </a:t>
+            </a:r>
+            <a:r>
+              <a:rPr lang="en-US" b="0" dirty="0" smtClean="0"/>
+              <a:t>Consumer Request </a:t>
+            </a:r>
+            <a:r>
+              <a:rPr lang="en-US" b="0" dirty="0" smtClean="0"/>
+              <a:t>Session</a:t>
             </a:r>
           </a:p>
           <a:p>
@@ -5919,14 +5921,13 @@
               </a:tabLst>
             </a:pPr>
             <a:r>
-              <a:rPr lang="en-US" b="0" dirty="0"/>
-              <a:t>Close </a:t>
-            </a:r>
-            <a:r>
               <a:rPr lang="en-US" b="0" dirty="0" smtClean="0"/>
-              <a:t>Post Request Session</a:t>
-            </a:r>
-            <a:endParaRPr lang="en-US" b="0" dirty="0"/>
+              <a:t>Read </a:t>
+            </a:r>
+            <a:r>
+              <a:rPr lang="en-US" b="0" dirty="0" smtClean="0"/>
+              <a:t>Response</a:t>
+            </a:r>
           </a:p>
           <a:p>
             <a:pPr algn="r">
@@ -5936,7 +5937,7 @@
             </a:pPr>
             <a:r>
               <a:rPr lang="en-US" b="0" dirty="0" smtClean="0"/>
-              <a:t>Open Read Response Session</a:t>
+              <a:t>Remove Response</a:t>
             </a:r>
             <a:endParaRPr lang="en-US" b="0" dirty="0"/>
           </a:p>
@@ -5948,31 +5949,13 @@
             </a:pPr>
             <a:r>
               <a:rPr lang="en-US" b="0" dirty="0" smtClean="0"/>
-              <a:t>Read Response</a:t>
-            </a:r>
-          </a:p>
-          <a:p>
-            <a:pPr algn="r">
-              <a:tabLst>
-                <a:tab pos="228600" algn="l"/>
-              </a:tabLst>
-            </a:pPr>
-            <a:r>
-              <a:rPr lang="en-US" b="0" dirty="0" smtClean="0"/>
-              <a:t>Remove Response</a:t>
-            </a:r>
-            <a:endParaRPr lang="en-US" b="0" dirty="0"/>
-          </a:p>
-          <a:p>
-            <a:pPr algn="r">
-              <a:tabLst>
-                <a:tab pos="228600" algn="l"/>
-              </a:tabLst>
-            </a:pPr>
-            <a:r>
-              <a:rPr lang="en-US" b="0" dirty="0" smtClean="0"/>
-              <a:t>Close Read Response Session</a:t>
-            </a:r>
+              <a:t>Close </a:t>
+            </a:r>
+            <a:r>
+              <a:rPr lang="en-US" b="0" dirty="0"/>
+              <a:t>Consumer Request Session</a:t>
+            </a:r>
+            <a:endParaRPr lang="en-US" b="0" dirty="0" smtClean="0"/>
           </a:p>
         </p:txBody>
       </p:sp>
@@ -23424,11 +23407,7 @@
             </a:pPr>
             <a:r>
               <a:rPr lang="en-US" b="0" dirty="0" smtClean="0"/>
-              <a:t>Add </a:t>
-            </a:r>
-            <a:r>
-              <a:rPr lang="en-US" b="0" dirty="0" smtClean="0"/>
-              <a:t>Security Tokens</a:t>
+              <a:t>Add Security Tokens</a:t>
             </a:r>
           </a:p>
           <a:p>
@@ -23584,13 +23563,8 @@
             </a:pPr>
             <a:r>
               <a:rPr lang="en-US" b="0" dirty="0" smtClean="0"/>
-              <a:t>Get </a:t>
-            </a:r>
-            <a:r>
-              <a:rPr lang="en-US" b="0" dirty="0" smtClean="0"/>
-              <a:t>Channels</a:t>
-            </a:r>
-            <a:endParaRPr lang="en-US" b="0" dirty="0" smtClean="0"/>
+              <a:t>Get Channels</a:t>
+            </a:r>
           </a:p>
         </p:txBody>
       </p:sp>
